--- a/compsciproject.pptx
+++ b/compsciproject.pptx
@@ -16320,7 +16320,7 @@
               <a:t>Group Name</a:t>
             </a:r>
             <a:r>
-              <a:rPr lang="en-US">
+              <a:rPr lang="en-US" dirty="0">
                 <a:effectLst>
                   <a:outerShdw blurRad="38100" dist="38100" dir="2700000" algn="tl">
                     <a:srgbClr val="000000">
@@ -16332,7 +16332,7 @@
               <a:t>: </a:t>
             </a:r>
             <a:r>
-              <a:rPr lang="en-US" smtClean="0">
+              <a:rPr lang="en-US" dirty="0" smtClean="0">
                 <a:effectLst>
                   <a:outerShdw blurRad="38100" dist="38100" dir="2700000" algn="tl">
                     <a:srgbClr val="000000">
@@ -16552,7 +16552,7 @@
               <a:buChar char="●"/>
             </a:pPr>
             <a:r>
-              <a:rPr lang="en-US" sz="4000" b="1" dirty="0" err="1" smtClean="0">
+              <a:rPr lang="en-US" sz="4000" b="1" dirty="0" smtClean="0">
                 <a:effectLst>
                   <a:outerShdw blurRad="38100" dist="38100" dir="2700000" algn="tl">
                     <a:srgbClr val="000000">
@@ -16606,7 +16606,7 @@
                     </a:srgbClr>
                   </a:outerShdw>
                 </a:effectLst>
-                <a:hlinkClick r:id="rId4"/>
+                <a:hlinkClick r:id="rId5"/>
               </a:rPr>
               <a:t>Website</a:t>
             </a:r>
@@ -16622,10 +16622,9 @@
             </a:endParaRPr>
           </a:p>
           <a:p>
-            <a:pPr lvl="0">
+            <a:pPr marL="0" lvl="0" indent="0">
               <a:buSzPct val="45000"/>
-              <a:buFont typeface="StarSymbol"/>
-              <a:buChar char="●"/>
+              <a:buNone/>
             </a:pPr>
             <a:endParaRPr lang="en-US" sz="4000" b="1" dirty="0">
               <a:effectLst>
@@ -16636,26 +16635,6 @@
                 </a:outerShdw>
               </a:effectLst>
             </a:endParaRPr>
-          </a:p>
-          <a:p>
-            <a:pPr lvl="0">
-              <a:buSzPct val="45000"/>
-              <a:buFont typeface="StarSymbol"/>
-              <a:buChar char="●"/>
-            </a:pPr>
-            <a:r>
-              <a:rPr lang="en-US" sz="4000" b="1" dirty="0">
-                <a:effectLst>
-                  <a:outerShdw blurRad="38100" dist="38100" dir="2700000" algn="tl">
-                    <a:srgbClr val="000000">
-                      <a:alpha val="43137"/>
-                    </a:srgbClr>
-                  </a:outerShdw>
-                </a:effectLst>
-                <a:hlinkClick r:id="rId5"/>
-              </a:rPr>
-              <a:t>Group log</a:t>
-            </a:r>
           </a:p>
         </p:txBody>
       </p:sp>
@@ -17659,31 +17638,7 @@
                   </a:outerShdw>
                 </a:effectLst>
               </a:rPr>
-              <a:t>Creating website other than </a:t>
-            </a:r>
-            <a:r>
-              <a:rPr lang="en-US" dirty="0" err="1" smtClean="0">
-                <a:effectLst>
-                  <a:outerShdw blurRad="38100" dist="38100" dir="2700000" algn="tl">
-                    <a:srgbClr val="000000">
-                      <a:alpha val="43137"/>
-                    </a:srgbClr>
-                  </a:outerShdw>
-                </a:effectLst>
-              </a:rPr>
-              <a:t>GitHub</a:t>
-            </a:r>
-            <a:r>
-              <a:rPr lang="en-US" dirty="0" smtClean="0">
-                <a:effectLst>
-                  <a:outerShdw blurRad="38100" dist="38100" dir="2700000" algn="tl">
-                    <a:srgbClr val="000000">
-                      <a:alpha val="43137"/>
-                    </a:srgbClr>
-                  </a:outerShdw>
-                </a:effectLst>
-              </a:rPr>
-              <a:t> Wiki page</a:t>
+              <a:t>Creating website other than GitHub Wiki page</a:t>
             </a:r>
           </a:p>
           <a:p>
